--- a/analyze-a_b-test-results.pptx
+++ b/analyze-a_b-test-results.pptx
@@ -5,32 +5,31 @@
     <p:sldMasterId id="2147483661" r:id="rId1"/>
   </p:sldMasterIdLst>
   <p:notesMasterIdLst>
-    <p:notesMasterId r:id="rId8"/>
+    <p:notesMasterId r:id="rId7"/>
   </p:notesMasterIdLst>
   <p:sldIdLst>
-    <p:sldId id="256" r:id="rId2"/>
-    <p:sldId id="257" r:id="rId3"/>
-    <p:sldId id="258" r:id="rId4"/>
-    <p:sldId id="259" r:id="rId5"/>
-    <p:sldId id="260" r:id="rId6"/>
-    <p:sldId id="261" r:id="rId7"/>
+    <p:sldId id="257" r:id="rId2"/>
+    <p:sldId id="258" r:id="rId3"/>
+    <p:sldId id="259" r:id="rId4"/>
+    <p:sldId id="260" r:id="rId5"/>
+    <p:sldId id="261" r:id="rId6"/>
   </p:sldIdLst>
   <p:sldSz cx="9144000" cy="5143500" type="screen16x9"/>
   <p:notesSz cx="6858000" cy="9144000"/>
   <p:embeddedFontLst>
     <p:embeddedFont>
       <p:font typeface="Cambria" panose="02040503050406030204" pitchFamily="18" charset="0"/>
-      <p:regular r:id="rId9"/>
-      <p:bold r:id="rId10"/>
-      <p:italic r:id="rId11"/>
-      <p:boldItalic r:id="rId12"/>
+      <p:regular r:id="rId8"/>
+      <p:bold r:id="rId9"/>
+      <p:italic r:id="rId10"/>
+      <p:boldItalic r:id="rId11"/>
     </p:embeddedFont>
     <p:embeddedFont>
       <p:font typeface="Open Sans" panose="020B0606030504020204" pitchFamily="34" charset="0"/>
-      <p:regular r:id="rId13"/>
-      <p:bold r:id="rId14"/>
-      <p:italic r:id="rId15"/>
-      <p:boldItalic r:id="rId16"/>
+      <p:regular r:id="rId12"/>
+      <p:bold r:id="rId13"/>
+      <p:italic r:id="rId14"/>
+      <p:boldItalic r:id="rId15"/>
     </p:embeddedFont>
   </p:embeddedFontLst>
   <p:defaultTextStyle>
@@ -727,110 +726,6 @@
   <p:cSld>
     <p:spTree>
       <p:nvGrpSpPr>
-        <p:cNvPr id="1" name="Shape 60"/>
-        <p:cNvGrpSpPr/>
-        <p:nvPr/>
-      </p:nvGrpSpPr>
-      <p:grpSpPr>
-        <a:xfrm>
-          <a:off x="0" y="0"/>
-          <a:ext cx="0" cy="0"/>
-          <a:chOff x="0" y="0"/>
-          <a:chExt cx="0" cy="0"/>
-        </a:xfrm>
-      </p:grpSpPr>
-      <p:sp>
-        <p:nvSpPr>
-          <p:cNvPr id="61" name="Google Shape;61;g1f18ce3f467_0_258:notes"/>
-          <p:cNvSpPr>
-            <a:spLocks noGrp="1" noRot="1" noChangeAspect="1"/>
-          </p:cNvSpPr>
-          <p:nvPr>
-            <p:ph type="sldImg" idx="2"/>
-          </p:nvPr>
-        </p:nvSpPr>
-        <p:spPr>
-          <a:xfrm>
-            <a:off x="381300" y="685800"/>
-            <a:ext cx="6096000" cy="3429000"/>
-          </a:xfrm>
-          <a:custGeom>
-            <a:avLst/>
-            <a:gdLst/>
-            <a:ahLst/>
-            <a:cxnLst/>
-            <a:rect l="l" t="t" r="r" b="b"/>
-            <a:pathLst>
-              <a:path w="120000" h="120000" extrusionOk="0">
-                <a:moveTo>
-                  <a:pt x="0" y="0"/>
-                </a:moveTo>
-                <a:lnTo>
-                  <a:pt x="120000" y="0"/>
-                </a:lnTo>
-                <a:lnTo>
-                  <a:pt x="120000" y="120000"/>
-                </a:lnTo>
-                <a:lnTo>
-                  <a:pt x="0" y="120000"/>
-                </a:lnTo>
-                <a:close/>
-              </a:path>
-            </a:pathLst>
-          </a:custGeom>
-        </p:spPr>
-      </p:sp>
-      <p:sp>
-        <p:nvSpPr>
-          <p:cNvPr id="62" name="Google Shape;62;g1f18ce3f467_0_258:notes"/>
-          <p:cNvSpPr txBox="1">
-            <a:spLocks noGrp="1"/>
-          </p:cNvSpPr>
-          <p:nvPr>
-            <p:ph type="body" idx="1"/>
-          </p:nvPr>
-        </p:nvSpPr>
-        <p:spPr>
-          <a:xfrm>
-            <a:off x="685800" y="4343400"/>
-            <a:ext cx="5486400" cy="4114800"/>
-          </a:xfrm>
-          <a:prstGeom prst="rect">
-            <a:avLst/>
-          </a:prstGeom>
-        </p:spPr>
-        <p:txBody>
-          <a:bodyPr spcFirstLastPara="1" wrap="square" lIns="91425" tIns="91425" rIns="91425" bIns="91425" anchor="t" anchorCtr="0">
-            <a:noAutofit/>
-          </a:bodyPr>
-          <a:lstStyle/>
-          <a:p>
-            <a:pPr marL="0" lvl="0" indent="0" algn="l" rtl="0">
-              <a:spcBef>
-                <a:spcPts val="0"/>
-              </a:spcBef>
-              <a:spcAft>
-                <a:spcPts val="0"/>
-              </a:spcAft>
-              <a:buNone/>
-            </a:pPr>
-            <a:endParaRPr/>
-          </a:p>
-        </p:txBody>
-      </p:sp>
-    </p:spTree>
-  </p:cSld>
-  <p:clrMapOvr>
-    <a:masterClrMapping/>
-  </p:clrMapOvr>
-</p:notes>
-</file>
-
-<file path=ppt/notesSlides/notesSlide2.xml><?xml version="1.0" encoding="utf-8"?>
-<p:notes xmlns:a="http://schemas.openxmlformats.org/drawingml/2006/main" xmlns:r="http://schemas.openxmlformats.org/officeDocument/2006/relationships" xmlns:p="http://schemas.openxmlformats.org/presentationml/2006/main" showMasterSp="0" showMasterPhAnim="0">
-  <p:cSld>
-    <p:spTree>
-      <p:nvGrpSpPr>
         <p:cNvPr id="1" name="Shape 65"/>
         <p:cNvGrpSpPr/>
         <p:nvPr/>
@@ -934,7 +829,7 @@
 </p:notes>
 </file>
 
-<file path=ppt/notesSlides/notesSlide3.xml><?xml version="1.0" encoding="utf-8"?>
+<file path=ppt/notesSlides/notesSlide2.xml><?xml version="1.0" encoding="utf-8"?>
 <p:notes xmlns:a="http://schemas.openxmlformats.org/drawingml/2006/main" xmlns:r="http://schemas.openxmlformats.org/officeDocument/2006/relationships" xmlns:p="http://schemas.openxmlformats.org/presentationml/2006/main" showMasterSp="0" showMasterPhAnim="0">
   <p:cSld>
     <p:spTree>
@@ -963,7 +858,7 @@
         </p:nvSpPr>
         <p:spPr>
           <a:xfrm>
-            <a:off x="381300" y="685800"/>
+            <a:off x="381000" y="685800"/>
             <a:ext cx="6096000" cy="3429000"/>
           </a:xfrm>
           <a:custGeom>
@@ -1038,7 +933,7 @@
 </p:notes>
 </file>
 
-<file path=ppt/notesSlides/notesSlide4.xml><?xml version="1.0" encoding="utf-8"?>
+<file path=ppt/notesSlides/notesSlide3.xml><?xml version="1.0" encoding="utf-8"?>
 <p:notes xmlns:a="http://schemas.openxmlformats.org/drawingml/2006/main" xmlns:r="http://schemas.openxmlformats.org/officeDocument/2006/relationships" xmlns:p="http://schemas.openxmlformats.org/presentationml/2006/main" showMasterSp="0" showMasterPhAnim="0">
   <p:cSld>
     <p:spTree>
@@ -1142,7 +1037,7 @@
 </p:notes>
 </file>
 
-<file path=ppt/notesSlides/notesSlide5.xml><?xml version="1.0" encoding="utf-8"?>
+<file path=ppt/notesSlides/notesSlide4.xml><?xml version="1.0" encoding="utf-8"?>
 <p:notes xmlns:a="http://schemas.openxmlformats.org/drawingml/2006/main" xmlns:r="http://schemas.openxmlformats.org/officeDocument/2006/relationships" xmlns:p="http://schemas.openxmlformats.org/presentationml/2006/main" showMasterSp="0" showMasterPhAnim="0">
   <p:cSld>
     <p:spTree>
@@ -1171,7 +1066,7 @@
         </p:nvSpPr>
         <p:spPr>
           <a:xfrm>
-            <a:off x="381300" y="685800"/>
+            <a:off x="381000" y="685800"/>
             <a:ext cx="6096000" cy="3429000"/>
           </a:xfrm>
           <a:custGeom>
@@ -1246,7 +1141,7 @@
 </p:notes>
 </file>
 
-<file path=ppt/notesSlides/notesSlide6.xml><?xml version="1.0" encoding="utf-8"?>
+<file path=ppt/notesSlides/notesSlide5.xml><?xml version="1.0" encoding="utf-8"?>
 <p:notes xmlns:a="http://schemas.openxmlformats.org/drawingml/2006/main" xmlns:r="http://schemas.openxmlformats.org/officeDocument/2006/relationships" xmlns:p="http://schemas.openxmlformats.org/presentationml/2006/main" showMasterSp="0" showMasterPhAnim="0">
   <p:cSld>
     <p:spTree>
@@ -1275,7 +1170,7 @@
         </p:nvSpPr>
         <p:spPr>
           <a:xfrm>
-            <a:off x="381300" y="685800"/>
+            <a:off x="381000" y="685800"/>
             <a:ext cx="6096000" cy="3429000"/>
           </a:xfrm>
           <a:custGeom>
@@ -7842,87 +7737,6 @@
   <p:cSld>
     <p:spTree>
       <p:nvGrpSpPr>
-        <p:cNvPr id="1" name="Shape 63"/>
-        <p:cNvGrpSpPr/>
-        <p:nvPr/>
-      </p:nvGrpSpPr>
-      <p:grpSpPr>
-        <a:xfrm>
-          <a:off x="0" y="0"/>
-          <a:ext cx="0" cy="0"/>
-          <a:chOff x="0" y="0"/>
-          <a:chExt cx="0" cy="0"/>
-        </a:xfrm>
-      </p:grpSpPr>
-      <p:sp>
-        <p:nvSpPr>
-          <p:cNvPr id="64" name="Google Shape;64;p15"/>
-          <p:cNvSpPr txBox="1"/>
-          <p:nvPr/>
-        </p:nvSpPr>
-        <p:spPr>
-          <a:xfrm>
-            <a:off x="84350" y="194000"/>
-            <a:ext cx="9144000" cy="1154400"/>
-          </a:xfrm>
-          <a:prstGeom prst="rect">
-            <a:avLst/>
-          </a:prstGeom>
-          <a:noFill/>
-          <a:ln>
-            <a:noFill/>
-          </a:ln>
-        </p:spPr>
-        <p:txBody>
-          <a:bodyPr spcFirstLastPara="1" wrap="square" lIns="91425" tIns="91425" rIns="91425" bIns="91425" anchor="t" anchorCtr="0">
-            <a:spAutoFit/>
-          </a:bodyPr>
-          <a:lstStyle/>
-          <a:p>
-            <a:pPr marL="0" lvl="0" indent="0" algn="l" rtl="0">
-              <a:spcBef>
-                <a:spcPts val="0"/>
-              </a:spcBef>
-              <a:spcAft>
-                <a:spcPts val="0"/>
-              </a:spcAft>
-              <a:buNone/>
-            </a:pPr>
-            <a:r>
-              <a:rPr lang="en" sz="3150" b="1">
-                <a:solidFill>
-                  <a:srgbClr val="073763"/>
-                </a:solidFill>
-                <a:highlight>
-                  <a:schemeClr val="lt1"/>
-                </a:highlight>
-              </a:rPr>
-              <a:t>Make A Copy Of This Deck And Update The Red Ink Based On Your Notebook Results</a:t>
-            </a:r>
-            <a:endParaRPr sz="100" b="1">
-              <a:solidFill>
-                <a:srgbClr val="073763"/>
-              </a:solidFill>
-              <a:highlight>
-                <a:schemeClr val="lt1"/>
-              </a:highlight>
-            </a:endParaRPr>
-          </a:p>
-        </p:txBody>
-      </p:sp>
-    </p:spTree>
-  </p:cSld>
-  <p:clrMapOvr>
-    <a:masterClrMapping/>
-  </p:clrMapOvr>
-</p:sld>
-</file>
-
-<file path=ppt/slides/slide2.xml><?xml version="1.0" encoding="utf-8"?>
-<p:sld xmlns:a="http://schemas.openxmlformats.org/drawingml/2006/main" xmlns:r="http://schemas.openxmlformats.org/officeDocument/2006/relationships" xmlns:p="http://schemas.openxmlformats.org/presentationml/2006/main">
-  <p:cSld>
-    <p:spTree>
-      <p:nvGrpSpPr>
         <p:cNvPr id="1" name="Shape 68"/>
         <p:cNvGrpSpPr/>
         <p:nvPr/>
@@ -8162,7 +7976,7 @@
 </p:sld>
 </file>
 
-<file path=ppt/slides/slide3.xml><?xml version="1.0" encoding="utf-8"?>
+<file path=ppt/slides/slide2.xml><?xml version="1.0" encoding="utf-8"?>
 <p:sld xmlns:a="http://schemas.openxmlformats.org/drawingml/2006/main" xmlns:r="http://schemas.openxmlformats.org/officeDocument/2006/relationships" xmlns:p="http://schemas.openxmlformats.org/presentationml/2006/main">
   <p:cSld>
     <p:spTree>
@@ -8188,7 +8002,7 @@
         <p:spPr>
           <a:xfrm>
             <a:off x="118100" y="1020700"/>
-            <a:ext cx="9076500" cy="1535400"/>
+            <a:ext cx="9076500" cy="892522"/>
           </a:xfrm>
           <a:prstGeom prst="rect">
             <a:avLst/>
@@ -8219,7 +8033,7 @@
               <a:buNone/>
             </a:pPr>
             <a:r>
-              <a:rPr lang="en" sz="2000" b="1">
+              <a:rPr lang="en" sz="2000" b="1" dirty="0">
                 <a:solidFill>
                   <a:srgbClr val="404040"/>
                 </a:solidFill>
@@ -8234,7 +8048,7 @@
               <a:t>Total Variant Visitors: </a:t>
             </a:r>
             <a:r>
-              <a:rPr lang="en" sz="2000" b="1">
+              <a:rPr lang="en-US" sz="2000" b="1" dirty="0">
                 <a:solidFill>
                   <a:srgbClr val="FF0000"/>
                 </a:solidFill>
@@ -8246,9 +8060,9 @@
                 <a:cs typeface="Cambria"/>
                 <a:sym typeface="Cambria"/>
               </a:rPr>
-              <a:t>[The number of variant visitors]</a:t>
+              <a:t>35211</a:t>
             </a:r>
-            <a:endParaRPr sz="2000">
+            <a:endParaRPr lang="en-US" sz="2000" dirty="0">
               <a:solidFill>
                 <a:srgbClr val="FF0000"/>
               </a:solidFill>
@@ -8275,7 +8089,7 @@
               <a:buNone/>
             </a:pPr>
             <a:r>
-              <a:rPr lang="en" sz="2000" b="1">
+              <a:rPr lang="en-US" sz="2000" b="1" dirty="0">
                 <a:solidFill>
                   <a:srgbClr val="404040"/>
                 </a:solidFill>
@@ -8290,7 +8104,7 @@
               <a:t>Total Control Participants:</a:t>
             </a:r>
             <a:r>
-              <a:rPr lang="en" sz="2000">
+              <a:rPr lang="en-US" sz="2000" dirty="0">
                 <a:solidFill>
                   <a:schemeClr val="dk1"/>
                 </a:solidFill>
@@ -8305,7 +8119,7 @@
               <a:t>​ </a:t>
             </a:r>
             <a:r>
-              <a:rPr lang="en" sz="2000" b="1">
+              <a:rPr lang="en-US" sz="2000" b="1" dirty="0">
                 <a:solidFill>
                   <a:srgbClr val="FF0000"/>
                 </a:solidFill>
@@ -8317,93 +8131,11 @@
                 <a:cs typeface="Cambria"/>
                 <a:sym typeface="Cambria"/>
               </a:rPr>
-              <a:t>[The number of control visitors]</a:t>
+              <a:t>34678</a:t>
             </a:r>
-            <a:endParaRPr sz="2000">
+            <a:endParaRPr lang="en-US" sz="2000" dirty="0">
               <a:solidFill>
                 <a:srgbClr val="FF0000"/>
-              </a:solidFill>
-              <a:highlight>
-                <a:schemeClr val="lt1"/>
-              </a:highlight>
-              <a:latin typeface="Cambria"/>
-              <a:ea typeface="Cambria"/>
-              <a:cs typeface="Cambria"/>
-              <a:sym typeface="Cambria"/>
-            </a:endParaRPr>
-          </a:p>
-          <a:p>
-            <a:pPr marL="0" lvl="0" indent="0" algn="l" rtl="0">
-              <a:lnSpc>
-                <a:spcPct val="108750"/>
-              </a:lnSpc>
-              <a:spcBef>
-                <a:spcPts val="0"/>
-              </a:spcBef>
-              <a:spcAft>
-                <a:spcPts val="0"/>
-              </a:spcAft>
-              <a:buNone/>
-            </a:pPr>
-            <a:r>
-              <a:rPr lang="en" sz="2000">
-                <a:solidFill>
-                  <a:schemeClr val="dk1"/>
-                </a:solidFill>
-                <a:highlight>
-                  <a:schemeClr val="lt1"/>
-                </a:highlight>
-                <a:latin typeface="Cambria"/>
-                <a:ea typeface="Cambria"/>
-                <a:cs typeface="Cambria"/>
-                <a:sym typeface="Cambria"/>
-              </a:rPr>
-              <a:t>​</a:t>
-            </a:r>
-            <a:endParaRPr sz="2000">
-              <a:solidFill>
-                <a:schemeClr val="dk1"/>
-              </a:solidFill>
-              <a:highlight>
-                <a:schemeClr val="lt1"/>
-              </a:highlight>
-              <a:latin typeface="Cambria"/>
-              <a:ea typeface="Cambria"/>
-              <a:cs typeface="Cambria"/>
-              <a:sym typeface="Cambria"/>
-            </a:endParaRPr>
-          </a:p>
-          <a:p>
-            <a:pPr marL="0" lvl="0" indent="0" algn="l" rtl="0">
-              <a:lnSpc>
-                <a:spcPct val="115000"/>
-              </a:lnSpc>
-              <a:spcBef>
-                <a:spcPts val="0"/>
-              </a:spcBef>
-              <a:spcAft>
-                <a:spcPts val="0"/>
-              </a:spcAft>
-              <a:buNone/>
-            </a:pPr>
-            <a:r>
-              <a:rPr lang="en" sz="2000" b="1">
-                <a:solidFill>
-                  <a:srgbClr val="FF0000"/>
-                </a:solidFill>
-                <a:highlight>
-                  <a:schemeClr val="lt1"/>
-                </a:highlight>
-                <a:latin typeface="Cambria"/>
-                <a:ea typeface="Cambria"/>
-                <a:cs typeface="Cambria"/>
-                <a:sym typeface="Cambria"/>
-              </a:rPr>
-              <a:t>[Update the Below Chart With Your Chart of Where Users Are From]</a:t>
-            </a:r>
-            <a:endParaRPr sz="2000">
-              <a:solidFill>
-                <a:schemeClr val="dk1"/>
               </a:solidFill>
               <a:highlight>
                 <a:schemeClr val="lt1"/>
@@ -8474,30 +8206,32 @@
       </p:sp>
       <p:pic>
         <p:nvPicPr>
-          <p:cNvPr id="79" name="Google Shape;79;p17"/>
-          <p:cNvPicPr preferRelativeResize="0"/>
+          <p:cNvPr id="3" name="Picture 2" descr="A graph with a blue bar&#10;&#10;Description automatically generated">
+            <a:extLst>
+              <a:ext uri="{FF2B5EF4-FFF2-40B4-BE49-F238E27FC236}">
+                <a16:creationId xmlns:a16="http://schemas.microsoft.com/office/drawing/2014/main" id="{C60BB3D4-DEE6-EDAC-75B0-B9C65A817464}"/>
+              </a:ext>
+            </a:extLst>
+          </p:cNvPr>
+          <p:cNvPicPr>
+            <a:picLocks noChangeAspect="1"/>
+          </p:cNvPicPr>
           <p:nvPr/>
         </p:nvPicPr>
         <p:blipFill>
-          <a:blip r:embed="rId3">
-            <a:alphaModFix/>
-          </a:blip>
+          <a:blip r:embed="rId3"/>
           <a:stretch>
             <a:fillRect/>
           </a:stretch>
         </p:blipFill>
         <p:spPr>
           <a:xfrm>
-            <a:off x="1900475" y="2556100"/>
-            <a:ext cx="5725150" cy="2470700"/>
+            <a:off x="4656350" y="1762849"/>
+            <a:ext cx="4248868" cy="3186651"/>
           </a:xfrm>
           <a:prstGeom prst="rect">
             <a:avLst/>
           </a:prstGeom>
-          <a:noFill/>
-          <a:ln>
-            <a:noFill/>
-          </a:ln>
         </p:spPr>
       </p:pic>
     </p:spTree>
@@ -8508,7 +8242,7 @@
 </p:sld>
 </file>
 
-<file path=ppt/slides/slide4.xml><?xml version="1.0" encoding="utf-8"?>
+<file path=ppt/slides/slide3.xml><?xml version="1.0" encoding="utf-8"?>
 <p:sld xmlns:a="http://schemas.openxmlformats.org/drawingml/2006/main" xmlns:r="http://schemas.openxmlformats.org/officeDocument/2006/relationships" xmlns:p="http://schemas.openxmlformats.org/presentationml/2006/main">
   <p:cSld>
     <p:spTree>
@@ -8588,7 +8322,7 @@
           <p:nvPr>
             <p:extLst>
               <p:ext uri="{D42A27DB-BD31-4B8C-83A1-F6EECF244321}">
-                <p14:modId xmlns:p14="http://schemas.microsoft.com/office/powerpoint/2010/main" val="3764629005"/>
+                <p14:modId xmlns:p14="http://schemas.microsoft.com/office/powerpoint/2010/main" val="164815318"/>
               </p:ext>
             </p:extLst>
           </p:nvPr>
@@ -8663,7 +8397,7 @@
                     <a:bodyPr/>
                     <a:lstStyle/>
                     <a:p>
-                      <a:pPr marL="0" lvl="0" indent="0" algn="l" rtl="0">
+                      <a:pPr marL="0" lvl="0" indent="0" algn="ctr" rtl="0">
                         <a:spcBef>
                           <a:spcPts val="0"/>
                         </a:spcBef>
@@ -8673,10 +8407,10 @@
                         <a:buNone/>
                       </a:pPr>
                       <a:r>
-                        <a:rPr lang="en" sz="1500" b="1"/>
+                        <a:rPr lang="en" sz="1500" b="1" dirty="0"/>
                         <a:t>U.S.</a:t>
                       </a:r>
-                      <a:endParaRPr sz="1500" b="1"/>
+                      <a:endParaRPr sz="1500" b="1" dirty="0"/>
                     </a:p>
                   </a:txBody>
                   <a:tcPr marL="91425" marR="91425" marT="91425" marB="91425">
@@ -8690,7 +8424,7 @@
                     <a:bodyPr/>
                     <a:lstStyle/>
                     <a:p>
-                      <a:pPr marL="0" lvl="0" indent="0" algn="l" rtl="0">
+                      <a:pPr marL="0" lvl="0" indent="0" algn="ctr" rtl="0">
                         <a:spcBef>
                           <a:spcPts val="0"/>
                         </a:spcBef>
@@ -8717,7 +8451,7 @@
                     <a:bodyPr/>
                     <a:lstStyle/>
                     <a:p>
-                      <a:pPr marL="0" lvl="0" indent="0" algn="l" rtl="0">
+                      <a:pPr marL="0" lvl="0" indent="0" algn="ctr" rtl="0">
                         <a:spcBef>
                           <a:spcPts val="0"/>
                         </a:spcBef>
@@ -8778,7 +8512,7 @@
                     <a:bodyPr/>
                     <a:lstStyle/>
                     <a:p>
-                      <a:pPr marL="0" lvl="0" indent="0" algn="l" rtl="0">
+                      <a:pPr marL="0" lvl="0" indent="0" algn="ctr" rtl="0">
                         <a:spcBef>
                           <a:spcPts val="0"/>
                         </a:spcBef>
@@ -8788,14 +8522,14 @@
                         <a:buNone/>
                       </a:pPr>
                       <a:r>
-                        <a:rPr lang="en" sz="1500" b="1">
+                        <a:rPr lang="en" sz="1500" b="1" dirty="0">
                           <a:solidFill>
                             <a:srgbClr val="FF0000"/>
                           </a:solidFill>
                         </a:rPr>
-                        <a:t>Your Values Here</a:t>
+                        <a:t>10.7%</a:t>
                       </a:r>
-                      <a:endParaRPr sz="1500" b="1">
+                      <a:endParaRPr sz="1500" b="1" dirty="0">
                         <a:solidFill>
                           <a:srgbClr val="FF0000"/>
                         </a:solidFill>
@@ -8813,7 +8547,7 @@
                     <a:bodyPr/>
                     <a:lstStyle/>
                     <a:p>
-                      <a:pPr marL="0" lvl="0" indent="0" algn="l" rtl="0">
+                      <a:pPr marL="0" lvl="0" indent="0" algn="ctr" rtl="0">
                         <a:spcBef>
                           <a:spcPts val="0"/>
                         </a:spcBef>
@@ -8828,14 +8562,14 @@
                         <a:buNone/>
                       </a:pPr>
                       <a:r>
-                        <a:rPr lang="en" sz="1500" b="1">
+                        <a:rPr lang="en" sz="1500" b="1" dirty="0">
                           <a:solidFill>
                             <a:srgbClr val="FF0000"/>
                           </a:solidFill>
                         </a:rPr>
-                        <a:t>Your Values Here</a:t>
+                        <a:t>10.2%</a:t>
                       </a:r>
-                      <a:endParaRPr sz="1500" b="1"/>
+                      <a:endParaRPr sz="1500" b="1" dirty="0"/>
                     </a:p>
                   </a:txBody>
                   <a:tcPr marL="91425" marR="91425" marT="91425" marB="91425">
@@ -8849,7 +8583,7 @@
                     <a:bodyPr/>
                     <a:lstStyle/>
                     <a:p>
-                      <a:pPr marL="0" lvl="0" indent="0" algn="l" rtl="0">
+                      <a:pPr marL="0" lvl="0" indent="0" algn="ctr" rtl="0">
                         <a:spcBef>
                           <a:spcPts val="0"/>
                         </a:spcBef>
@@ -8864,14 +8598,14 @@
                         <a:buNone/>
                       </a:pPr>
                       <a:r>
-                        <a:rPr lang="en" sz="1500" b="1">
+                        <a:rPr lang="en" sz="1500" b="1" dirty="0">
                           <a:solidFill>
                             <a:srgbClr val="FF0000"/>
                           </a:solidFill>
                         </a:rPr>
-                        <a:t>Your Values Here</a:t>
+                        <a:t>9.4%</a:t>
                       </a:r>
-                      <a:endParaRPr sz="1500" b="1"/>
+                      <a:endParaRPr sz="1500" b="1" dirty="0"/>
                     </a:p>
                   </a:txBody>
                   <a:tcPr marL="91425" marR="91425" marT="91425" marB="91425">
@@ -8919,79 +8653,7 @@
                     <a:bodyPr/>
                     <a:lstStyle/>
                     <a:p>
-                      <a:pPr marL="0" lvl="0" indent="0" algn="l" rtl="0">
-                        <a:spcBef>
-                          <a:spcPts val="0"/>
-                        </a:spcBef>
-                        <a:spcAft>
-                          <a:spcPts val="0"/>
-                        </a:spcAft>
-                        <a:buClr>
-                          <a:schemeClr val="dk1"/>
-                        </a:buClr>
-                        <a:buSzPts val="1100"/>
-                        <a:buFont typeface="Arial"/>
-                        <a:buNone/>
-                      </a:pPr>
-                      <a:r>
-                        <a:rPr lang="en" sz="1500" b="1">
-                          <a:solidFill>
-                            <a:srgbClr val="FF0000"/>
-                          </a:solidFill>
-                        </a:rPr>
-                        <a:t>Your Values Here</a:t>
-                      </a:r>
-                      <a:endParaRPr sz="1500" b="1"/>
-                    </a:p>
-                  </a:txBody>
-                  <a:tcPr marL="91425" marR="91425" marT="91425" marB="91425">
-                    <a:solidFill>
-                      <a:srgbClr val="FFFFFF"/>
-                    </a:solidFill>
-                  </a:tcPr>
-                </a:tc>
-                <a:tc>
-                  <a:txBody>
-                    <a:bodyPr/>
-                    <a:lstStyle/>
-                    <a:p>
-                      <a:pPr marL="0" lvl="0" indent="0" algn="l" rtl="0">
-                        <a:spcBef>
-                          <a:spcPts val="0"/>
-                        </a:spcBef>
-                        <a:spcAft>
-                          <a:spcPts val="0"/>
-                        </a:spcAft>
-                        <a:buClr>
-                          <a:schemeClr val="dk1"/>
-                        </a:buClr>
-                        <a:buSzPts val="1100"/>
-                        <a:buFont typeface="Arial"/>
-                        <a:buNone/>
-                      </a:pPr>
-                      <a:r>
-                        <a:rPr lang="en" sz="1500" b="1">
-                          <a:solidFill>
-                            <a:srgbClr val="FF0000"/>
-                          </a:solidFill>
-                        </a:rPr>
-                        <a:t>Your Values Here</a:t>
-                      </a:r>
-                      <a:endParaRPr sz="1500" b="1"/>
-                    </a:p>
-                  </a:txBody>
-                  <a:tcPr marL="91425" marR="91425" marT="91425" marB="91425">
-                    <a:solidFill>
-                      <a:srgbClr val="FFFFFF"/>
-                    </a:solidFill>
-                  </a:tcPr>
-                </a:tc>
-                <a:tc>
-                  <a:txBody>
-                    <a:bodyPr/>
-                    <a:lstStyle/>
-                    <a:p>
-                      <a:pPr marL="0" lvl="0" indent="0" algn="l" rtl="0">
+                      <a:pPr marL="0" lvl="0" indent="0" algn="ctr" rtl="0">
                         <a:spcBef>
                           <a:spcPts val="0"/>
                         </a:spcBef>
@@ -9011,7 +8673,79 @@
                             <a:srgbClr val="FF0000"/>
                           </a:solidFill>
                         </a:rPr>
-                        <a:t>Your Values Here</a:t>
+                        <a:t>15.8%</a:t>
+                      </a:r>
+                      <a:endParaRPr sz="1500" b="1" dirty="0"/>
+                    </a:p>
+                  </a:txBody>
+                  <a:tcPr marL="91425" marR="91425" marT="91425" marB="91425">
+                    <a:solidFill>
+                      <a:srgbClr val="FFFFFF"/>
+                    </a:solidFill>
+                  </a:tcPr>
+                </a:tc>
+                <a:tc>
+                  <a:txBody>
+                    <a:bodyPr/>
+                    <a:lstStyle/>
+                    <a:p>
+                      <a:pPr marL="0" lvl="0" indent="0" algn="ctr" rtl="0">
+                        <a:spcBef>
+                          <a:spcPts val="0"/>
+                        </a:spcBef>
+                        <a:spcAft>
+                          <a:spcPts val="0"/>
+                        </a:spcAft>
+                        <a:buClr>
+                          <a:schemeClr val="dk1"/>
+                        </a:buClr>
+                        <a:buSzPts val="1100"/>
+                        <a:buFont typeface="Arial"/>
+                        <a:buNone/>
+                      </a:pPr>
+                      <a:r>
+                        <a:rPr lang="en" sz="1500" b="1" dirty="0">
+                          <a:solidFill>
+                            <a:srgbClr val="FF0000"/>
+                          </a:solidFill>
+                        </a:rPr>
+                        <a:t>14.9%</a:t>
+                      </a:r>
+                      <a:endParaRPr sz="1500" b="1" dirty="0"/>
+                    </a:p>
+                  </a:txBody>
+                  <a:tcPr marL="91425" marR="91425" marT="91425" marB="91425">
+                    <a:solidFill>
+                      <a:srgbClr val="FFFFFF"/>
+                    </a:solidFill>
+                  </a:tcPr>
+                </a:tc>
+                <a:tc>
+                  <a:txBody>
+                    <a:bodyPr/>
+                    <a:lstStyle/>
+                    <a:p>
+                      <a:pPr marL="0" lvl="0" indent="0" algn="ctr" rtl="0">
+                        <a:spcBef>
+                          <a:spcPts val="0"/>
+                        </a:spcBef>
+                        <a:spcAft>
+                          <a:spcPts val="0"/>
+                        </a:spcAft>
+                        <a:buClr>
+                          <a:schemeClr val="dk1"/>
+                        </a:buClr>
+                        <a:buSzPts val="1100"/>
+                        <a:buFont typeface="Arial"/>
+                        <a:buNone/>
+                      </a:pPr>
+                      <a:r>
+                        <a:rPr lang="en" sz="1500" b="1" dirty="0">
+                          <a:solidFill>
+                            <a:srgbClr val="FF0000"/>
+                          </a:solidFill>
+                        </a:rPr>
+                        <a:t>15.4%</a:t>
                       </a:r>
                       <a:endParaRPr sz="1500" b="1" dirty="0"/>
                     </a:p>
@@ -9041,7 +8775,7 @@
         <p:spPr>
           <a:xfrm>
             <a:off x="481400" y="2817975"/>
-            <a:ext cx="8207100" cy="846600"/>
+            <a:ext cx="8207100" cy="1246465"/>
           </a:xfrm>
           <a:prstGeom prst="rect">
             <a:avLst/>
@@ -9070,7 +8804,7 @@
               <a:buNone/>
             </a:pPr>
             <a:r>
-              <a:rPr lang="en" sz="2000" b="1">
+              <a:rPr lang="en" sz="2000" b="1" dirty="0">
                 <a:solidFill>
                   <a:srgbClr val="404040"/>
                 </a:solidFill>
@@ -9085,7 +8819,7 @@
               <a:t>Executive Summary: </a:t>
             </a:r>
             <a:r>
-              <a:rPr lang="en" sz="2000" b="1">
+              <a:rPr lang="en" sz="2000" b="1" dirty="0">
                 <a:solidFill>
                   <a:srgbClr val="FF0000"/>
                 </a:solidFill>
@@ -9097,9 +8831,9 @@
                 <a:cs typeface="Cambria"/>
                 <a:sym typeface="Cambria"/>
               </a:rPr>
-              <a:t>[What do these probabilities suggest in how the `Treatment` or `Country` are associated with conversion rates?]</a:t>
+              <a:t>This suggests that “Treatment” increases conversion by around 5%, but the “Country” doesn’t significantly affect the results.</a:t>
             </a:r>
-            <a:endParaRPr/>
+            <a:endParaRPr dirty="0"/>
           </a:p>
         </p:txBody>
       </p:sp>
@@ -9111,7 +8845,7 @@
 </p:sld>
 </file>
 
-<file path=ppt/slides/slide5.xml><?xml version="1.0" encoding="utf-8"?>
+<file path=ppt/slides/slide4.xml><?xml version="1.0" encoding="utf-8"?>
 <p:sld xmlns:a="http://schemas.openxmlformats.org/drawingml/2006/main" xmlns:r="http://schemas.openxmlformats.org/officeDocument/2006/relationships" xmlns:p="http://schemas.openxmlformats.org/presentationml/2006/main">
   <p:cSld>
     <p:spTree>
@@ -9193,7 +8927,7 @@
         <p:spPr>
           <a:xfrm>
             <a:off x="118100" y="1020700"/>
-            <a:ext cx="9076500" cy="2205000"/>
+            <a:ext cx="9076500" cy="2905380"/>
           </a:xfrm>
           <a:prstGeom prst="rect">
             <a:avLst/>
@@ -9224,7 +8958,7 @@
               <a:buNone/>
             </a:pPr>
             <a:r>
-              <a:rPr lang="en" sz="2000" b="1">
+              <a:rPr lang="en" sz="2000" b="1" dirty="0">
                 <a:solidFill>
                   <a:srgbClr val="404040"/>
                 </a:solidFill>
@@ -9239,7 +8973,7 @@
               <a:t>Treatment Conversion Rate: </a:t>
             </a:r>
             <a:r>
-              <a:rPr lang="en" sz="2000" b="1">
+              <a:rPr lang="en" sz="2000" b="1" dirty="0">
                 <a:solidFill>
                   <a:srgbClr val="FF0000"/>
                 </a:solidFill>
@@ -9251,9 +8985,9 @@
                 <a:cs typeface="Cambria"/>
                 <a:sym typeface="Cambria"/>
               </a:rPr>
-              <a:t>[Treatment Conversion Rate]</a:t>
+              <a:t>15.5%</a:t>
             </a:r>
-            <a:endParaRPr sz="2000">
+            <a:endParaRPr sz="2000" dirty="0">
               <a:solidFill>
                 <a:srgbClr val="FF0000"/>
               </a:solidFill>
@@ -9280,7 +9014,7 @@
               <a:buNone/>
             </a:pPr>
             <a:r>
-              <a:rPr lang="en" sz="2000" b="1">
+              <a:rPr lang="en" sz="2000" b="1" dirty="0">
                 <a:solidFill>
                   <a:srgbClr val="404040"/>
                 </a:solidFill>
@@ -9295,7 +9029,7 @@
               <a:t>Control Conversion Rate:</a:t>
             </a:r>
             <a:r>
-              <a:rPr lang="en" sz="2000">
+              <a:rPr lang="en" sz="2000" dirty="0">
                 <a:solidFill>
                   <a:schemeClr val="dk1"/>
                 </a:solidFill>
@@ -9310,7 +9044,7 @@
               <a:t>​ </a:t>
             </a:r>
             <a:r>
-              <a:rPr lang="en" sz="2000" b="1">
+              <a:rPr lang="en" sz="2000" b="1" dirty="0">
                 <a:solidFill>
                   <a:srgbClr val="FF0000"/>
                 </a:solidFill>
@@ -9322,9 +9056,9 @@
                 <a:cs typeface="Cambria"/>
                 <a:sym typeface="Cambria"/>
               </a:rPr>
-              <a:t>[Control Conversion Rate]</a:t>
+              <a:t>10.5%</a:t>
             </a:r>
-            <a:endParaRPr sz="2000">
+            <a:endParaRPr sz="2000" dirty="0">
               <a:solidFill>
                 <a:srgbClr val="FF0000"/>
               </a:solidFill>
@@ -9351,7 +9085,7 @@
               <a:buNone/>
             </a:pPr>
             <a:r>
-              <a:rPr lang="en" sz="2000" b="1">
+              <a:rPr lang="en" sz="2000" b="1" dirty="0">
                 <a:solidFill>
                   <a:srgbClr val="404040"/>
                 </a:solidFill>
@@ -9366,7 +9100,7 @@
               <a:t>Delta in Treatment vs. Control Conversion Rate:</a:t>
             </a:r>
             <a:r>
-              <a:rPr lang="en" sz="2000">
+              <a:rPr lang="en" sz="2000" dirty="0">
                 <a:solidFill>
                   <a:schemeClr val="dk1"/>
                 </a:solidFill>
@@ -9381,7 +9115,7 @@
               <a:t>​ </a:t>
             </a:r>
             <a:r>
-              <a:rPr lang="en" sz="2000" b="1">
+              <a:rPr lang="en" sz="2000" b="1" dirty="0">
                 <a:solidFill>
                   <a:srgbClr val="FF0000"/>
                 </a:solidFill>
@@ -9393,9 +9127,9 @@
                 <a:cs typeface="Cambria"/>
                 <a:sym typeface="Cambria"/>
               </a:rPr>
-              <a:t>[Difference in Rates]</a:t>
+              <a:t>0.050</a:t>
             </a:r>
-            <a:endParaRPr sz="2000" b="1">
+            <a:endParaRPr sz="2000" b="1" dirty="0">
               <a:solidFill>
                 <a:srgbClr val="FF0000"/>
               </a:solidFill>
@@ -9422,7 +9156,7 @@
               <a:buNone/>
             </a:pPr>
             <a:r>
-              <a:rPr lang="en" sz="2000" b="1">
+              <a:rPr lang="en" sz="2000" b="1" dirty="0">
                 <a:solidFill>
                   <a:srgbClr val="404040"/>
                 </a:solidFill>
@@ -9437,7 +9171,7 @@
               <a:t>p-value:</a:t>
             </a:r>
             <a:r>
-              <a:rPr lang="en" sz="2000">
+              <a:rPr lang="en" sz="2000" dirty="0">
                 <a:solidFill>
                   <a:schemeClr val="dk1"/>
                 </a:solidFill>
@@ -9452,7 +9186,7 @@
               <a:t>​ </a:t>
             </a:r>
             <a:r>
-              <a:rPr lang="en" sz="2000" b="1">
+              <a:rPr lang="en" sz="2000" b="1" dirty="0">
                 <a:solidFill>
                   <a:srgbClr val="FF0000"/>
                 </a:solidFill>
@@ -9464,9 +9198,9 @@
                 <a:cs typeface="Cambria"/>
                 <a:sym typeface="Cambria"/>
               </a:rPr>
-              <a:t>[p-value]</a:t>
+              <a:t>0</a:t>
             </a:r>
-            <a:endParaRPr sz="2000" b="1">
+            <a:endParaRPr sz="2000" b="1" dirty="0">
               <a:solidFill>
                 <a:srgbClr val="FF0000"/>
               </a:solidFill>
@@ -9493,7 +9227,7 @@
               <a:buNone/>
             </a:pPr>
             <a:r>
-              <a:rPr lang="en" sz="2000" b="1">
+              <a:rPr lang="en" sz="2000" b="1" dirty="0">
                 <a:solidFill>
                   <a:srgbClr val="404040"/>
                 </a:solidFill>
@@ -9508,7 +9242,7 @@
               <a:t>Conclusion:</a:t>
             </a:r>
             <a:r>
-              <a:rPr lang="en" sz="2000">
+              <a:rPr lang="en" sz="2000" dirty="0">
                 <a:solidFill>
                   <a:schemeClr val="dk1"/>
                 </a:solidFill>
@@ -9523,7 +9257,7 @@
               <a:t>​ </a:t>
             </a:r>
             <a:r>
-              <a:rPr lang="en" sz="2000" b="1">
+              <a:rPr lang="en-US" sz="2000" b="1" dirty="0">
                 <a:solidFill>
                   <a:srgbClr val="FF0000"/>
                 </a:solidFill>
@@ -9535,9 +9269,9 @@
                 <a:cs typeface="Cambria"/>
                 <a:sym typeface="Cambria"/>
               </a:rPr>
-              <a:t>[Conclusion - what does the above suggest in terms of treatment and control - do you have statistically significant evidence of a difference?]</a:t>
+              <a:t>In this case, the p-value is 0, so we  reject the null hypothesis. The Treatment/Variant page is better in converting users than the control page. This may be due to users loving a new design, or that the new design makes the click easier to access and more visually appealing.</a:t>
             </a:r>
-            <a:endParaRPr sz="2000">
+            <a:endParaRPr sz="2000" dirty="0">
               <a:solidFill>
                 <a:schemeClr val="dk1"/>
               </a:solidFill>
@@ -9560,7 +9294,7 @@
 </p:sld>
 </file>
 
-<file path=ppt/slides/slide6.xml><?xml version="1.0" encoding="utf-8"?>
+<file path=ppt/slides/slide5.xml><?xml version="1.0" encoding="utf-8"?>
 <p:sld xmlns:a="http://schemas.openxmlformats.org/drawingml/2006/main" xmlns:r="http://schemas.openxmlformats.org/officeDocument/2006/relationships" xmlns:p="http://schemas.openxmlformats.org/presentationml/2006/main">
   <p:cSld>
     <p:spTree>
@@ -9642,7 +9376,7 @@
         <p:spPr>
           <a:xfrm>
             <a:off x="118100" y="1020700"/>
-            <a:ext cx="9076500" cy="492600"/>
+            <a:ext cx="9076500" cy="520112"/>
           </a:xfrm>
           <a:prstGeom prst="rect">
             <a:avLst/>
@@ -9673,7 +9407,7 @@
               <a:buNone/>
             </a:pPr>
             <a:r>
-              <a:rPr lang="en" sz="2000" b="1">
+              <a:rPr lang="en" sz="2000" b="1" dirty="0">
                 <a:solidFill>
                   <a:srgbClr val="404040"/>
                 </a:solidFill>
@@ -9688,7 +9422,7 @@
               <a:t>Conclusion:</a:t>
             </a:r>
             <a:r>
-              <a:rPr lang="en" sz="2000">
+              <a:rPr lang="en" sz="2000" dirty="0">
                 <a:solidFill>
                   <a:schemeClr val="dk1"/>
                 </a:solidFill>
@@ -9703,7 +9437,7 @@
               <a:t>​ </a:t>
             </a:r>
             <a:r>
-              <a:rPr lang="en" sz="2000" b="1">
+              <a:rPr lang="en" sz="2000" b="1" dirty="0">
                 <a:solidFill>
                   <a:srgbClr val="FF0000"/>
                 </a:solidFill>
@@ -9715,9 +9449,39 @@
                 <a:cs typeface="Cambria"/>
                 <a:sym typeface="Cambria"/>
               </a:rPr>
-              <a:t>[Are there differences in conversion rates between countries?]</a:t>
+              <a:t>Differences are super low and </a:t>
             </a:r>
-            <a:endParaRPr sz="2000" b="1">
+            <a:r>
+              <a:rPr lang="en-US" sz="2000" b="1" dirty="0">
+                <a:solidFill>
+                  <a:srgbClr val="FF0000"/>
+                </a:solidFill>
+                <a:highlight>
+                  <a:schemeClr val="lt1"/>
+                </a:highlight>
+                <a:latin typeface="Cambria"/>
+                <a:ea typeface="Cambria"/>
+                <a:cs typeface="Cambria"/>
+                <a:sym typeface="Cambria"/>
+              </a:rPr>
+              <a:t>statistically </a:t>
+            </a:r>
+            <a:r>
+              <a:rPr lang="en" sz="2000" b="1" dirty="0">
+                <a:solidFill>
+                  <a:srgbClr val="FF0000"/>
+                </a:solidFill>
+                <a:highlight>
+                  <a:schemeClr val="lt1"/>
+                </a:highlight>
+                <a:latin typeface="Cambria"/>
+                <a:ea typeface="Cambria"/>
+                <a:cs typeface="Cambria"/>
+                <a:sym typeface="Cambria"/>
+              </a:rPr>
+              <a:t>insignificant.</a:t>
+            </a:r>
+            <a:endParaRPr sz="2000" b="1" dirty="0">
               <a:solidFill>
                 <a:srgbClr val="FF0000"/>
               </a:solidFill>
